--- a/CV/UI sketches/UI sketches.pptx
+++ b/CV/UI sketches/UI sketches.pptx
@@ -3806,332 +3806,353 @@
           </a:p>
         </p:txBody>
       </p:sp>
-      <p:sp>
-        <p:nvSpPr>
-          <p:cNvPr id="12" name="מלבן 11">
-            <a:extLst>
-              <a:ext uri="{FF2B5EF4-FFF2-40B4-BE49-F238E27FC236}">
-                <a16:creationId xmlns:a16="http://schemas.microsoft.com/office/drawing/2014/main" id="{DF9F5064-28AD-4EF9-8BE0-DD2DCA3F6ADB}"/>
-              </a:ext>
-            </a:extLst>
-          </p:cNvPr>
-          <p:cNvSpPr/>
+      <p:grpSp>
+        <p:nvGrpSpPr>
+          <p:cNvPr id="2" name="קבוצה 1">
+            <a:extLst>
+              <a:ext uri="{FF2B5EF4-FFF2-40B4-BE49-F238E27FC236}">
+                <a16:creationId xmlns:a16="http://schemas.microsoft.com/office/drawing/2014/main" id="{A1D35017-AAE3-4914-9C3E-2AA6E9626863}"/>
+              </a:ext>
+            </a:extLst>
+          </p:cNvPr>
+          <p:cNvGrpSpPr/>
           <p:nvPr/>
-        </p:nvSpPr>
-        <p:spPr>
-          <a:xfrm>
-            <a:off x="2724912" y="969263"/>
-            <a:ext cx="1728216" cy="1561499"/>
-          </a:xfrm>
-          <a:prstGeom prst="rect">
-            <a:avLst/>
-          </a:prstGeom>
-          <a:solidFill>
-            <a:schemeClr val="bg1">
-              <a:lumMod val="65000"/>
-            </a:schemeClr>
-          </a:solidFill>
-          <a:ln>
+        </p:nvGrpSpPr>
+        <p:grpSpPr>
+          <a:xfrm>
+            <a:off x="3093720" y="850392"/>
+            <a:ext cx="6004560" cy="4151376"/>
+            <a:chOff x="3273552" y="804672"/>
+            <a:chExt cx="6004560" cy="4151376"/>
+          </a:xfrm>
+        </p:grpSpPr>
+        <p:sp>
+          <p:nvSpPr>
+            <p:cNvPr id="12" name="מלבן 11">
+              <a:extLst>
+                <a:ext uri="{FF2B5EF4-FFF2-40B4-BE49-F238E27FC236}">
+                  <a16:creationId xmlns:a16="http://schemas.microsoft.com/office/drawing/2014/main" id="{DF9F5064-28AD-4EF9-8BE0-DD2DCA3F6ADB}"/>
+                </a:ext>
+              </a:extLst>
+            </p:cNvPr>
+            <p:cNvSpPr/>
+            <p:nvPr/>
+          </p:nvSpPr>
+          <p:spPr>
+            <a:xfrm>
+              <a:off x="3511296" y="841247"/>
+              <a:ext cx="1728216" cy="1561499"/>
+            </a:xfrm>
+            <a:prstGeom prst="rect">
+              <a:avLst/>
+            </a:prstGeom>
+            <a:solidFill>
+              <a:schemeClr val="bg1">
+                <a:lumMod val="65000"/>
+              </a:schemeClr>
+            </a:solidFill>
+            <a:ln>
+              <a:noFill/>
+            </a:ln>
+          </p:spPr>
+          <p:style>
+            <a:lnRef idx="2">
+              <a:schemeClr val="accent1">
+                <a:shade val="50000"/>
+              </a:schemeClr>
+            </a:lnRef>
+            <a:fillRef idx="1">
+              <a:schemeClr val="accent1"/>
+            </a:fillRef>
+            <a:effectRef idx="0">
+              <a:schemeClr val="accent1"/>
+            </a:effectRef>
+            <a:fontRef idx="minor">
+              <a:schemeClr val="lt1"/>
+            </a:fontRef>
+          </p:style>
+          <p:txBody>
+            <a:bodyPr rtlCol="1" anchor="ctr"/>
+            <a:lstStyle/>
+            <a:p>
+              <a:pPr algn="ctr" rtl="0"/>
+              <a:r>
+                <a:rPr lang="en-US" dirty="0"/>
+                <a:t>My profile image</a:t>
+              </a:r>
+              <a:endParaRPr lang="he-IL" dirty="0"/>
+            </a:p>
+          </p:txBody>
+        </p:sp>
+        <p:sp>
+          <p:nvSpPr>
+            <p:cNvPr id="15" name="מלבן 14">
+              <a:extLst>
+                <a:ext uri="{FF2B5EF4-FFF2-40B4-BE49-F238E27FC236}">
+                  <a16:creationId xmlns:a16="http://schemas.microsoft.com/office/drawing/2014/main" id="{BDA100DC-57D0-4296-B69A-7D31ACA77DE7}"/>
+                </a:ext>
+              </a:extLst>
+            </p:cNvPr>
+            <p:cNvSpPr/>
+            <p:nvPr/>
+          </p:nvSpPr>
+          <p:spPr>
+            <a:xfrm>
+              <a:off x="5501640" y="804672"/>
+              <a:ext cx="3776472" cy="4151376"/>
+            </a:xfrm>
+            <a:prstGeom prst="rect">
+              <a:avLst/>
+            </a:prstGeom>
+            <a:solidFill>
+              <a:schemeClr val="bg1">
+                <a:lumMod val="65000"/>
+              </a:schemeClr>
+            </a:solidFill>
+            <a:ln>
+              <a:noFill/>
+            </a:ln>
+          </p:spPr>
+          <p:style>
+            <a:lnRef idx="2">
+              <a:schemeClr val="accent1">
+                <a:shade val="50000"/>
+              </a:schemeClr>
+            </a:lnRef>
+            <a:fillRef idx="1">
+              <a:schemeClr val="accent1"/>
+            </a:fillRef>
+            <a:effectRef idx="0">
+              <a:schemeClr val="accent1"/>
+            </a:effectRef>
+            <a:fontRef idx="minor">
+              <a:schemeClr val="lt1"/>
+            </a:fontRef>
+          </p:style>
+          <p:txBody>
+            <a:bodyPr rtlCol="1" anchor="ctr"/>
+            <a:lstStyle/>
+            <a:p>
+              <a:pPr algn="ctr" rtl="0"/>
+              <a:r>
+                <a:rPr lang="en-US" dirty="0"/>
+                <a:t>Resume</a:t>
+              </a:r>
+              <a:endParaRPr lang="he-IL" dirty="0"/>
+            </a:p>
+          </p:txBody>
+        </p:sp>
+        <p:pic>
+          <p:nvPicPr>
+            <p:cNvPr id="6146" name="Picture 2" descr="Free Contact Icon, Symbol. Download in PNG, SVG format.">
+              <a:extLst>
+                <a:ext uri="{FF2B5EF4-FFF2-40B4-BE49-F238E27FC236}">
+                  <a16:creationId xmlns:a16="http://schemas.microsoft.com/office/drawing/2014/main" id="{5B78B2C6-4850-4E67-BC31-F33A946492D2}"/>
+                </a:ext>
+              </a:extLst>
+            </p:cNvPr>
+            <p:cNvPicPr>
+              <a:picLocks noChangeAspect="1" noChangeArrowheads="1"/>
+            </p:cNvPicPr>
+            <p:nvPr/>
+          </p:nvPicPr>
+          <p:blipFill>
+            <a:blip r:embed="rId2">
+              <a:extLst>
+                <a:ext uri="{28A0092B-C50C-407E-A947-70E740481C1C}">
+                  <a14:useLocalDpi xmlns:a14="http://schemas.microsoft.com/office/drawing/2010/main" val="0"/>
+                </a:ext>
+              </a:extLst>
+            </a:blip>
+            <a:srcRect/>
+            <a:stretch>
+              <a:fillRect/>
+            </a:stretch>
+          </p:blipFill>
+          <p:spPr bwMode="auto">
+            <a:xfrm>
+              <a:off x="3273552" y="3800857"/>
+              <a:ext cx="681418" cy="681418"/>
+            </a:xfrm>
+            <a:prstGeom prst="rect">
+              <a:avLst/>
+            </a:prstGeom>
             <a:noFill/>
-          </a:ln>
-        </p:spPr>
-        <p:style>
-          <a:lnRef idx="2">
-            <a:schemeClr val="accent1">
-              <a:shade val="50000"/>
-            </a:schemeClr>
-          </a:lnRef>
-          <a:fillRef idx="1">
-            <a:schemeClr val="accent1"/>
-          </a:fillRef>
-          <a:effectRef idx="0">
-            <a:schemeClr val="accent1"/>
-          </a:effectRef>
-          <a:fontRef idx="minor">
-            <a:schemeClr val="lt1"/>
-          </a:fontRef>
-        </p:style>
-        <p:txBody>
-          <a:bodyPr rtlCol="1" anchor="ctr"/>
-          <a:lstStyle/>
-          <a:p>
-            <a:pPr algn="ctr" rtl="0"/>
-            <a:r>
-              <a:rPr lang="en-US" dirty="0"/>
-              <a:t>My profile image</a:t>
-            </a:r>
-            <a:endParaRPr lang="he-IL" dirty="0"/>
-          </a:p>
-        </p:txBody>
-      </p:sp>
-      <p:sp>
-        <p:nvSpPr>
-          <p:cNvPr id="15" name="מלבן 14">
-            <a:extLst>
-              <a:ext uri="{FF2B5EF4-FFF2-40B4-BE49-F238E27FC236}">
-                <a16:creationId xmlns:a16="http://schemas.microsoft.com/office/drawing/2014/main" id="{BDA100DC-57D0-4296-B69A-7D31ACA77DE7}"/>
-              </a:ext>
-            </a:extLst>
-          </p:cNvPr>
-          <p:cNvSpPr/>
-          <p:nvPr/>
-        </p:nvSpPr>
-        <p:spPr>
-          <a:xfrm>
-            <a:off x="4715256" y="932688"/>
-            <a:ext cx="3776472" cy="4151376"/>
-          </a:xfrm>
-          <a:prstGeom prst="rect">
-            <a:avLst/>
-          </a:prstGeom>
-          <a:solidFill>
-            <a:schemeClr val="bg1">
-              <a:lumMod val="65000"/>
-            </a:schemeClr>
-          </a:solidFill>
-          <a:ln>
+            <a:extLst>
+              <a:ext uri="{909E8E84-426E-40DD-AFC4-6F175D3DCCD1}">
+                <a14:hiddenFill xmlns:a14="http://schemas.microsoft.com/office/drawing/2010/main">
+                  <a:solidFill>
+                    <a:srgbClr val="FFFFFF"/>
+                  </a:solidFill>
+                </a14:hiddenFill>
+              </a:ext>
+            </a:extLst>
+          </p:spPr>
+        </p:pic>
+        <p:pic>
+          <p:nvPicPr>
+            <p:cNvPr id="6148" name="Picture 4" descr="Download Free Icon of Zwicon">
+              <a:extLst>
+                <a:ext uri="{FF2B5EF4-FFF2-40B4-BE49-F238E27FC236}">
+                  <a16:creationId xmlns:a16="http://schemas.microsoft.com/office/drawing/2014/main" id="{9B61F779-DF0B-4E3E-8109-73E1F805B8AD}"/>
+                </a:ext>
+              </a:extLst>
+            </p:cNvPr>
+            <p:cNvPicPr>
+              <a:picLocks noChangeAspect="1" noChangeArrowheads="1"/>
+            </p:cNvPicPr>
+            <p:nvPr/>
+          </p:nvPicPr>
+          <p:blipFill>
+            <a:blip r:embed="rId3">
+              <a:extLst>
+                <a:ext uri="{28A0092B-C50C-407E-A947-70E740481C1C}">
+                  <a14:useLocalDpi xmlns:a14="http://schemas.microsoft.com/office/drawing/2010/main" val="0"/>
+                </a:ext>
+              </a:extLst>
+            </a:blip>
+            <a:srcRect/>
+            <a:stretch>
+              <a:fillRect/>
+            </a:stretch>
+          </p:blipFill>
+          <p:spPr bwMode="auto">
+            <a:xfrm>
+              <a:off x="3305367" y="2801111"/>
+              <a:ext cx="649603" cy="649603"/>
+            </a:xfrm>
+            <a:prstGeom prst="rect">
+              <a:avLst/>
+            </a:prstGeom>
             <a:noFill/>
-          </a:ln>
-        </p:spPr>
-        <p:style>
-          <a:lnRef idx="2">
-            <a:schemeClr val="accent1">
-              <a:shade val="50000"/>
-            </a:schemeClr>
-          </a:lnRef>
-          <a:fillRef idx="1">
-            <a:schemeClr val="accent1"/>
-          </a:fillRef>
-          <a:effectRef idx="0">
-            <a:schemeClr val="accent1"/>
-          </a:effectRef>
-          <a:fontRef idx="minor">
-            <a:schemeClr val="lt1"/>
-          </a:fontRef>
-        </p:style>
-        <p:txBody>
-          <a:bodyPr rtlCol="1" anchor="ctr"/>
-          <a:lstStyle/>
-          <a:p>
-            <a:pPr algn="ctr" rtl="0"/>
-            <a:r>
-              <a:rPr lang="en-US" dirty="0"/>
-              <a:t>Resume</a:t>
-            </a:r>
-            <a:endParaRPr lang="he-IL" dirty="0"/>
-          </a:p>
-        </p:txBody>
-      </p:sp>
-      <p:pic>
-        <p:nvPicPr>
-          <p:cNvPr id="6146" name="Picture 2" descr="Free Contact Icon, Symbol. Download in PNG, SVG format.">
-            <a:extLst>
-              <a:ext uri="{FF2B5EF4-FFF2-40B4-BE49-F238E27FC236}">
-                <a16:creationId xmlns:a16="http://schemas.microsoft.com/office/drawing/2014/main" id="{5B78B2C6-4850-4E67-BC31-F33A946492D2}"/>
-              </a:ext>
-            </a:extLst>
-          </p:cNvPr>
-          <p:cNvPicPr>
-            <a:picLocks noChangeAspect="1" noChangeArrowheads="1"/>
-          </p:cNvPicPr>
-          <p:nvPr/>
-        </p:nvPicPr>
-        <p:blipFill>
-          <a:blip r:embed="rId2">
-            <a:extLst>
-              <a:ext uri="{28A0092B-C50C-407E-A947-70E740481C1C}">
-                <a14:useLocalDpi xmlns:a14="http://schemas.microsoft.com/office/drawing/2010/main" val="0"/>
-              </a:ext>
-            </a:extLst>
-          </a:blip>
-          <a:srcRect/>
-          <a:stretch>
-            <a:fillRect/>
-          </a:stretch>
-        </p:blipFill>
-        <p:spPr bwMode="auto">
-          <a:xfrm>
-            <a:off x="2487168" y="3928873"/>
-            <a:ext cx="681418" cy="681418"/>
-          </a:xfrm>
-          <a:prstGeom prst="rect">
-            <a:avLst/>
-          </a:prstGeom>
-          <a:noFill/>
-          <a:extLst>
-            <a:ext uri="{909E8E84-426E-40DD-AFC4-6F175D3DCCD1}">
-              <a14:hiddenFill xmlns:a14="http://schemas.microsoft.com/office/drawing/2010/main">
-                <a:solidFill>
-                  <a:srgbClr val="FFFFFF"/>
-                </a:solidFill>
-              </a14:hiddenFill>
-            </a:ext>
-          </a:extLst>
-        </p:spPr>
-      </p:pic>
-      <p:pic>
-        <p:nvPicPr>
-          <p:cNvPr id="6148" name="Picture 4" descr="Download Free Icon of Zwicon">
-            <a:extLst>
-              <a:ext uri="{FF2B5EF4-FFF2-40B4-BE49-F238E27FC236}">
-                <a16:creationId xmlns:a16="http://schemas.microsoft.com/office/drawing/2014/main" id="{9B61F779-DF0B-4E3E-8109-73E1F805B8AD}"/>
-              </a:ext>
-            </a:extLst>
-          </p:cNvPr>
-          <p:cNvPicPr>
-            <a:picLocks noChangeAspect="1" noChangeArrowheads="1"/>
-          </p:cNvPicPr>
-          <p:nvPr/>
-        </p:nvPicPr>
-        <p:blipFill>
-          <a:blip r:embed="rId3">
-            <a:extLst>
-              <a:ext uri="{28A0092B-C50C-407E-A947-70E740481C1C}">
-                <a14:useLocalDpi xmlns:a14="http://schemas.microsoft.com/office/drawing/2010/main" val="0"/>
-              </a:ext>
-            </a:extLst>
-          </a:blip>
-          <a:srcRect/>
-          <a:stretch>
-            <a:fillRect/>
-          </a:stretch>
-        </p:blipFill>
-        <p:spPr bwMode="auto">
-          <a:xfrm>
-            <a:off x="2518983" y="2929127"/>
-            <a:ext cx="649603" cy="649603"/>
-          </a:xfrm>
-          <a:prstGeom prst="rect">
-            <a:avLst/>
-          </a:prstGeom>
-          <a:noFill/>
-          <a:extLst>
-            <a:ext uri="{909E8E84-426E-40DD-AFC4-6F175D3DCCD1}">
-              <a14:hiddenFill xmlns:a14="http://schemas.microsoft.com/office/drawing/2010/main">
-                <a:solidFill>
-                  <a:srgbClr val="FFFFFF"/>
-                </a:solidFill>
-              </a14:hiddenFill>
-            </a:ext>
-          </a:extLst>
-        </p:spPr>
-      </p:pic>
-      <p:sp>
-        <p:nvSpPr>
-          <p:cNvPr id="16" name="מלבן 15">
-            <a:extLst>
-              <a:ext uri="{FF2B5EF4-FFF2-40B4-BE49-F238E27FC236}">
-                <a16:creationId xmlns:a16="http://schemas.microsoft.com/office/drawing/2014/main" id="{BDF84899-54EE-4A94-AFCE-29F36BC00339}"/>
-              </a:ext>
-            </a:extLst>
-          </p:cNvPr>
-          <p:cNvSpPr/>
-          <p:nvPr/>
-        </p:nvSpPr>
-        <p:spPr>
-          <a:xfrm>
-            <a:off x="3351276" y="2963181"/>
-            <a:ext cx="1239012" cy="649603"/>
-          </a:xfrm>
-          <a:prstGeom prst="rect">
-            <a:avLst/>
-          </a:prstGeom>
-          <a:solidFill>
-            <a:schemeClr val="bg1">
-              <a:lumMod val="65000"/>
-            </a:schemeClr>
-          </a:solidFill>
-          <a:ln>
-            <a:noFill/>
-          </a:ln>
-        </p:spPr>
-        <p:style>
-          <a:lnRef idx="2">
-            <a:schemeClr val="accent1">
-              <a:shade val="50000"/>
-            </a:schemeClr>
-          </a:lnRef>
-          <a:fillRef idx="1">
-            <a:schemeClr val="accent1"/>
-          </a:fillRef>
-          <a:effectRef idx="0">
-            <a:schemeClr val="accent1"/>
-          </a:effectRef>
-          <a:fontRef idx="minor">
-            <a:schemeClr val="lt1"/>
-          </a:fontRef>
-        </p:style>
-        <p:txBody>
-          <a:bodyPr rtlCol="1" anchor="ctr"/>
-          <a:lstStyle/>
-          <a:p>
-            <a:pPr algn="ctr" rtl="0"/>
-            <a:r>
-              <a:rPr lang="en-US" dirty="0"/>
-              <a:t>Download as PDF</a:t>
-            </a:r>
-            <a:endParaRPr lang="he-IL" dirty="0"/>
-          </a:p>
-        </p:txBody>
-      </p:sp>
-      <p:sp>
-        <p:nvSpPr>
-          <p:cNvPr id="17" name="מלבן 16">
-            <a:extLst>
-              <a:ext uri="{FF2B5EF4-FFF2-40B4-BE49-F238E27FC236}">
-                <a16:creationId xmlns:a16="http://schemas.microsoft.com/office/drawing/2014/main" id="{FC3339BD-F7D1-4891-B531-FE811BA05110}"/>
-              </a:ext>
-            </a:extLst>
-          </p:cNvPr>
-          <p:cNvSpPr/>
-          <p:nvPr/>
-        </p:nvSpPr>
-        <p:spPr>
-          <a:xfrm>
-            <a:off x="3351276" y="3928873"/>
-            <a:ext cx="1239012" cy="649603"/>
-          </a:xfrm>
-          <a:prstGeom prst="rect">
-            <a:avLst/>
-          </a:prstGeom>
-          <a:solidFill>
-            <a:schemeClr val="bg1">
-              <a:lumMod val="65000"/>
-            </a:schemeClr>
-          </a:solidFill>
-          <a:ln>
-            <a:noFill/>
-          </a:ln>
-        </p:spPr>
-        <p:style>
-          <a:lnRef idx="2">
-            <a:schemeClr val="accent1">
-              <a:shade val="50000"/>
-            </a:schemeClr>
-          </a:lnRef>
-          <a:fillRef idx="1">
-            <a:schemeClr val="accent1"/>
-          </a:fillRef>
-          <a:effectRef idx="0">
-            <a:schemeClr val="accent1"/>
-          </a:effectRef>
-          <a:fontRef idx="minor">
-            <a:schemeClr val="lt1"/>
-          </a:fontRef>
-        </p:style>
-        <p:txBody>
-          <a:bodyPr rtlCol="1" anchor="ctr"/>
-          <a:lstStyle/>
-          <a:p>
-            <a:pPr algn="ctr" rtl="0"/>
-            <a:r>
-              <a:rPr lang="en-US" dirty="0"/>
-              <a:t>Contact me</a:t>
-            </a:r>
-            <a:endParaRPr lang="he-IL" dirty="0"/>
-          </a:p>
-        </p:txBody>
-      </p:sp>
+            <a:extLst>
+              <a:ext uri="{909E8E84-426E-40DD-AFC4-6F175D3DCCD1}">
+                <a14:hiddenFill xmlns:a14="http://schemas.microsoft.com/office/drawing/2010/main">
+                  <a:solidFill>
+                    <a:srgbClr val="FFFFFF"/>
+                  </a:solidFill>
+                </a14:hiddenFill>
+              </a:ext>
+            </a:extLst>
+          </p:spPr>
+        </p:pic>
+        <p:sp>
+          <p:nvSpPr>
+            <p:cNvPr id="16" name="מלבן 15">
+              <a:extLst>
+                <a:ext uri="{FF2B5EF4-FFF2-40B4-BE49-F238E27FC236}">
+                  <a16:creationId xmlns:a16="http://schemas.microsoft.com/office/drawing/2014/main" id="{BDF84899-54EE-4A94-AFCE-29F36BC00339}"/>
+                </a:ext>
+              </a:extLst>
+            </p:cNvPr>
+            <p:cNvSpPr/>
+            <p:nvPr/>
+          </p:nvSpPr>
+          <p:spPr>
+            <a:xfrm>
+              <a:off x="4137660" y="2835165"/>
+              <a:ext cx="1239012" cy="649603"/>
+            </a:xfrm>
+            <a:prstGeom prst="rect">
+              <a:avLst/>
+            </a:prstGeom>
+            <a:solidFill>
+              <a:schemeClr val="bg1">
+                <a:lumMod val="65000"/>
+              </a:schemeClr>
+            </a:solidFill>
+            <a:ln>
+              <a:noFill/>
+            </a:ln>
+          </p:spPr>
+          <p:style>
+            <a:lnRef idx="2">
+              <a:schemeClr val="accent1">
+                <a:shade val="50000"/>
+              </a:schemeClr>
+            </a:lnRef>
+            <a:fillRef idx="1">
+              <a:schemeClr val="accent1"/>
+            </a:fillRef>
+            <a:effectRef idx="0">
+              <a:schemeClr val="accent1"/>
+            </a:effectRef>
+            <a:fontRef idx="minor">
+              <a:schemeClr val="lt1"/>
+            </a:fontRef>
+          </p:style>
+          <p:txBody>
+            <a:bodyPr rtlCol="1" anchor="ctr"/>
+            <a:lstStyle/>
+            <a:p>
+              <a:pPr algn="ctr" rtl="0"/>
+              <a:r>
+                <a:rPr lang="en-US" dirty="0"/>
+                <a:t>Download as PDF</a:t>
+              </a:r>
+              <a:endParaRPr lang="he-IL" dirty="0"/>
+            </a:p>
+          </p:txBody>
+        </p:sp>
+        <p:sp>
+          <p:nvSpPr>
+            <p:cNvPr id="17" name="מלבן 16">
+              <a:extLst>
+                <a:ext uri="{FF2B5EF4-FFF2-40B4-BE49-F238E27FC236}">
+                  <a16:creationId xmlns:a16="http://schemas.microsoft.com/office/drawing/2014/main" id="{FC3339BD-F7D1-4891-B531-FE811BA05110}"/>
+                </a:ext>
+              </a:extLst>
+            </p:cNvPr>
+            <p:cNvSpPr/>
+            <p:nvPr/>
+          </p:nvSpPr>
+          <p:spPr>
+            <a:xfrm>
+              <a:off x="4137660" y="3800857"/>
+              <a:ext cx="1239012" cy="649603"/>
+            </a:xfrm>
+            <a:prstGeom prst="rect">
+              <a:avLst/>
+            </a:prstGeom>
+            <a:solidFill>
+              <a:schemeClr val="bg1">
+                <a:lumMod val="65000"/>
+              </a:schemeClr>
+            </a:solidFill>
+            <a:ln>
+              <a:noFill/>
+            </a:ln>
+          </p:spPr>
+          <p:style>
+            <a:lnRef idx="2">
+              <a:schemeClr val="accent1">
+                <a:shade val="50000"/>
+              </a:schemeClr>
+            </a:lnRef>
+            <a:fillRef idx="1">
+              <a:schemeClr val="accent1"/>
+            </a:fillRef>
+            <a:effectRef idx="0">
+              <a:schemeClr val="accent1"/>
+            </a:effectRef>
+            <a:fontRef idx="minor">
+              <a:schemeClr val="lt1"/>
+            </a:fontRef>
+          </p:style>
+          <p:txBody>
+            <a:bodyPr rtlCol="1" anchor="ctr"/>
+            <a:lstStyle/>
+            <a:p>
+              <a:pPr algn="ctr" rtl="0"/>
+              <a:r>
+                <a:rPr lang="en-US" dirty="0"/>
+                <a:t>Contact me</a:t>
+              </a:r>
+              <a:endParaRPr lang="he-IL" dirty="0"/>
+            </a:p>
+          </p:txBody>
+        </p:sp>
+      </p:grpSp>
     </p:spTree>
     <p:extLst>
       <p:ext uri="{BB962C8B-B14F-4D97-AF65-F5344CB8AC3E}">
